--- a/source/data/TEXTURE/ナイスショットコントローラーver2.0.pptx
+++ b/source/data/TEXTURE/ナイスショットコントローラーver2.0.pptx
@@ -6,6 +6,7 @@
   </p:sldMasterIdLst>
   <p:sldIdLst>
     <p:sldId id="256" r:id="rId2"/>
+    <p:sldId id="257" r:id="rId3"/>
   </p:sldIdLst>
   <p:sldSz cx="8280400" cy="5400675"/>
   <p:notesSz cx="6858000" cy="9144000"/>
@@ -104,6 +105,11 @@
       </a:defRPr>
     </a:lvl9pPr>
   </p:defaultTextStyle>
+  <p:extLst>
+    <p:ext uri="{EFAFB233-063F-42B5-8137-9DF3F51BA10A}">
+      <p15:sldGuideLst xmlns:p15="http://schemas.microsoft.com/office/powerpoint/2012/main"/>
+    </p:ext>
+  </p:extLst>
 </p:presentation>
 </file>
 
@@ -238,7 +244,7 @@
           <a:p>
             <a:fld id="{927B8F58-1841-4ED3-A22B-4B323E1792F9}" type="datetimeFigureOut">
               <a:rPr kumimoji="1" lang="ja-JP" altLang="en-US" smtClean="0"/>
-              <a:t>2020/9/4</a:t>
+              <a:t>2021/1/15</a:t>
             </a:fld>
             <a:endParaRPr kumimoji="1" lang="ja-JP" altLang="en-US"/>
           </a:p>
@@ -440,7 +446,7 @@
           <a:p>
             <a:fld id="{927B8F58-1841-4ED3-A22B-4B323E1792F9}" type="datetimeFigureOut">
               <a:rPr kumimoji="1" lang="ja-JP" altLang="en-US" smtClean="0"/>
-              <a:t>2020/9/4</a:t>
+              <a:t>2021/1/15</a:t>
             </a:fld>
             <a:endParaRPr kumimoji="1" lang="ja-JP" altLang="en-US"/>
           </a:p>
@@ -652,7 +658,7 @@
           <a:p>
             <a:fld id="{927B8F58-1841-4ED3-A22B-4B323E1792F9}" type="datetimeFigureOut">
               <a:rPr kumimoji="1" lang="ja-JP" altLang="en-US" smtClean="0"/>
-              <a:t>2020/9/4</a:t>
+              <a:t>2021/1/15</a:t>
             </a:fld>
             <a:endParaRPr kumimoji="1" lang="ja-JP" altLang="en-US"/>
           </a:p>
@@ -854,7 +860,7 @@
           <a:p>
             <a:fld id="{927B8F58-1841-4ED3-A22B-4B323E1792F9}" type="datetimeFigureOut">
               <a:rPr kumimoji="1" lang="ja-JP" altLang="en-US" smtClean="0"/>
-              <a:t>2020/9/4</a:t>
+              <a:t>2021/1/15</a:t>
             </a:fld>
             <a:endParaRPr kumimoji="1" lang="ja-JP" altLang="en-US"/>
           </a:p>
@@ -1098,7 +1104,7 @@
           <a:p>
             <a:fld id="{927B8F58-1841-4ED3-A22B-4B323E1792F9}" type="datetimeFigureOut">
               <a:rPr kumimoji="1" lang="ja-JP" altLang="en-US" smtClean="0"/>
-              <a:t>2020/9/4</a:t>
+              <a:t>2021/1/15</a:t>
             </a:fld>
             <a:endParaRPr kumimoji="1" lang="ja-JP" altLang="en-US"/>
           </a:p>
@@ -1394,7 +1400,7 @@
           <a:p>
             <a:fld id="{927B8F58-1841-4ED3-A22B-4B323E1792F9}" type="datetimeFigureOut">
               <a:rPr kumimoji="1" lang="ja-JP" altLang="en-US" smtClean="0"/>
-              <a:t>2020/9/4</a:t>
+              <a:t>2021/1/15</a:t>
             </a:fld>
             <a:endParaRPr kumimoji="1" lang="ja-JP" altLang="en-US"/>
           </a:p>
@@ -1825,7 +1831,7 @@
           <a:p>
             <a:fld id="{927B8F58-1841-4ED3-A22B-4B323E1792F9}" type="datetimeFigureOut">
               <a:rPr kumimoji="1" lang="ja-JP" altLang="en-US" smtClean="0"/>
-              <a:t>2020/9/4</a:t>
+              <a:t>2021/1/15</a:t>
             </a:fld>
             <a:endParaRPr kumimoji="1" lang="ja-JP" altLang="en-US"/>
           </a:p>
@@ -1943,7 +1949,7 @@
           <a:p>
             <a:fld id="{927B8F58-1841-4ED3-A22B-4B323E1792F9}" type="datetimeFigureOut">
               <a:rPr kumimoji="1" lang="ja-JP" altLang="en-US" smtClean="0"/>
-              <a:t>2020/9/4</a:t>
+              <a:t>2021/1/15</a:t>
             </a:fld>
             <a:endParaRPr kumimoji="1" lang="ja-JP" altLang="en-US"/>
           </a:p>
@@ -2038,7 +2044,7 @@
           <a:p>
             <a:fld id="{927B8F58-1841-4ED3-A22B-4B323E1792F9}" type="datetimeFigureOut">
               <a:rPr kumimoji="1" lang="ja-JP" altLang="en-US" smtClean="0"/>
-              <a:t>2020/9/4</a:t>
+              <a:t>2021/1/15</a:t>
             </a:fld>
             <a:endParaRPr kumimoji="1" lang="ja-JP" altLang="en-US"/>
           </a:p>
@@ -2347,7 +2353,7 @@
           <a:p>
             <a:fld id="{927B8F58-1841-4ED3-A22B-4B323E1792F9}" type="datetimeFigureOut">
               <a:rPr kumimoji="1" lang="ja-JP" altLang="en-US" smtClean="0"/>
-              <a:t>2020/9/4</a:t>
+              <a:t>2021/1/15</a:t>
             </a:fld>
             <a:endParaRPr kumimoji="1" lang="ja-JP" altLang="en-US"/>
           </a:p>
@@ -2604,7 +2610,7 @@
           <a:p>
             <a:fld id="{927B8F58-1841-4ED3-A22B-4B323E1792F9}" type="datetimeFigureOut">
               <a:rPr kumimoji="1" lang="ja-JP" altLang="en-US" smtClean="0"/>
-              <a:t>2020/9/4</a:t>
+              <a:t>2021/1/15</a:t>
             </a:fld>
             <a:endParaRPr kumimoji="1" lang="ja-JP" altLang="en-US"/>
           </a:p>
@@ -2849,7 +2855,7 @@
           <a:p>
             <a:fld id="{927B8F58-1841-4ED3-A22B-4B323E1792F9}" type="datetimeFigureOut">
               <a:rPr kumimoji="1" lang="ja-JP" altLang="en-US" smtClean="0"/>
-              <a:t>2020/9/4</a:t>
+              <a:t>2021/1/15</a:t>
             </a:fld>
             <a:endParaRPr kumimoji="1" lang="ja-JP" altLang="en-US"/>
           </a:p>
@@ -3238,6 +3244,1232 @@
 </file>
 
 <file path=ppt/slides/slide1.xml><?xml version="1.0" encoding="utf-8"?>
+<p:sld xmlns:a="http://schemas.openxmlformats.org/drawingml/2006/main" xmlns:r="http://schemas.openxmlformats.org/officeDocument/2006/relationships" xmlns:p="http://schemas.openxmlformats.org/presentationml/2006/main" show="0">
+  <p:cSld>
+    <p:spTree>
+      <p:nvGrpSpPr>
+        <p:cNvPr id="1" name=""/>
+        <p:cNvGrpSpPr/>
+        <p:nvPr/>
+      </p:nvGrpSpPr>
+      <p:grpSpPr>
+        <a:xfrm>
+          <a:off x="0" y="0"/>
+          <a:ext cx="0" cy="0"/>
+          <a:chOff x="0" y="0"/>
+          <a:chExt cx="0" cy="0"/>
+        </a:xfrm>
+      </p:grpSpPr>
+      <p:pic>
+        <p:nvPicPr>
+          <p:cNvPr id="4" name="図 3"/>
+          <p:cNvPicPr>
+            <a:picLocks noChangeAspect="1"/>
+          </p:cNvPicPr>
+          <p:nvPr/>
+        </p:nvPicPr>
+        <p:blipFill>
+          <a:blip r:embed="rId2">
+            <a:extLst>
+              <a:ext uri="{28A0092B-C50C-407E-A947-70E740481C1C}">
+                <a14:useLocalDpi xmlns:a14="http://schemas.microsoft.com/office/drawing/2010/main" val="0"/>
+              </a:ext>
+            </a:extLst>
+          </a:blip>
+          <a:stretch>
+            <a:fillRect/>
+          </a:stretch>
+        </p:blipFill>
+        <p:spPr>
+          <a:xfrm>
+            <a:off x="1938847" y="566305"/>
+            <a:ext cx="4402706" cy="4268066"/>
+          </a:xfrm>
+          <a:prstGeom prst="rect">
+            <a:avLst/>
+          </a:prstGeom>
+        </p:spPr>
+      </p:pic>
+      <p:sp>
+        <p:nvSpPr>
+          <p:cNvPr id="5" name="正方形/長方形 4"/>
+          <p:cNvSpPr/>
+          <p:nvPr/>
+        </p:nvSpPr>
+        <p:spPr>
+          <a:xfrm>
+            <a:off x="132703" y="245374"/>
+            <a:ext cx="3382657" cy="923330"/>
+          </a:xfrm>
+          <a:prstGeom prst="rect">
+            <a:avLst/>
+          </a:prstGeom>
+          <a:noFill/>
+        </p:spPr>
+        <p:txBody>
+          <a:bodyPr wrap="none" lIns="91440" tIns="45720" rIns="91440" bIns="45720">
+            <a:spAutoFit/>
+          </a:bodyPr>
+          <a:lstStyle/>
+          <a:p>
+            <a:pPr algn="ctr"/>
+            <a:r>
+              <a:rPr lang="en-US" altLang="ja-JP" sz="5400" dirty="0">
+                <a:ln w="0">
+                  <a:solidFill>
+                    <a:schemeClr val="tx1"/>
+                  </a:solidFill>
+                </a:ln>
+                <a:solidFill>
+                  <a:srgbClr val="00B0F0"/>
+                </a:solidFill>
+                <a:effectLst>
+                  <a:outerShdw blurRad="38100" dist="19050" dir="2700000" algn="tl" rotWithShape="0">
+                    <a:schemeClr val="dk1">
+                      <a:alpha val="40000"/>
+                    </a:schemeClr>
+                  </a:outerShdw>
+                </a:effectLst>
+                <a:latin typeface="Adobe Gothic Std B" panose="020B0800000000000000" pitchFamily="34" charset="-128"/>
+                <a:ea typeface="Adobe Gothic Std B" panose="020B0800000000000000" pitchFamily="34" charset="-128"/>
+              </a:rPr>
+              <a:t>TUTORIAL</a:t>
+            </a:r>
+            <a:endParaRPr lang="ja-JP" altLang="en-US" sz="5400" dirty="0">
+              <a:ln w="0">
+                <a:solidFill>
+                  <a:schemeClr val="tx1"/>
+                </a:solidFill>
+              </a:ln>
+              <a:solidFill>
+                <a:srgbClr val="00B0F0"/>
+              </a:solidFill>
+              <a:effectLst>
+                <a:outerShdw blurRad="38100" dist="19050" dir="2700000" algn="tl" rotWithShape="0">
+                  <a:schemeClr val="dk1">
+                    <a:alpha val="40000"/>
+                  </a:schemeClr>
+                </a:outerShdw>
+              </a:effectLst>
+              <a:latin typeface="Adobe Gothic Std B" panose="020B0800000000000000" pitchFamily="34" charset="-128"/>
+              <a:ea typeface="Adobe Gothic Std B" panose="020B0800000000000000" pitchFamily="34" charset="-128"/>
+            </a:endParaRPr>
+          </a:p>
+        </p:txBody>
+      </p:sp>
+      <p:sp>
+        <p:nvSpPr>
+          <p:cNvPr id="6" name="正方形/長方形 5"/>
+          <p:cNvSpPr/>
+          <p:nvPr/>
+        </p:nvSpPr>
+        <p:spPr>
+          <a:xfrm>
+            <a:off x="5152149" y="218684"/>
+            <a:ext cx="2954655" cy="923330"/>
+          </a:xfrm>
+          <a:prstGeom prst="rect">
+            <a:avLst/>
+          </a:prstGeom>
+          <a:noFill/>
+        </p:spPr>
+        <p:txBody>
+          <a:bodyPr wrap="none" lIns="91440" tIns="45720" rIns="91440" bIns="45720">
+            <a:spAutoFit/>
+          </a:bodyPr>
+          <a:lstStyle/>
+          <a:p>
+            <a:pPr algn="ctr"/>
+            <a:r>
+              <a:rPr lang="ja-JP" altLang="en-US" sz="5400" dirty="0">
+                <a:ln w="0">
+                  <a:solidFill>
+                    <a:schemeClr val="tx1"/>
+                  </a:solidFill>
+                </a:ln>
+                <a:solidFill>
+                  <a:srgbClr val="00B0F0"/>
+                </a:solidFill>
+                <a:effectLst>
+                  <a:outerShdw blurRad="38100" dist="19050" dir="2700000" algn="tl" rotWithShape="0">
+                    <a:schemeClr val="dk1">
+                      <a:alpha val="40000"/>
+                    </a:schemeClr>
+                  </a:outerShdw>
+                </a:effectLst>
+                <a:latin typeface="Adobe Gothic Std B" panose="020B0800000000000000" pitchFamily="34" charset="-128"/>
+                <a:ea typeface="Adobe Gothic Std B" panose="020B0800000000000000" pitchFamily="34" charset="-128"/>
+              </a:rPr>
+              <a:t>操作方法</a:t>
+            </a:r>
+          </a:p>
+        </p:txBody>
+      </p:sp>
+      <p:sp>
+        <p:nvSpPr>
+          <p:cNvPr id="7" name="楕円 6"/>
+          <p:cNvSpPr/>
+          <p:nvPr/>
+        </p:nvSpPr>
+        <p:spPr>
+          <a:xfrm>
+            <a:off x="2626361" y="1354137"/>
+            <a:ext cx="568960" cy="314960"/>
+          </a:xfrm>
+          <a:prstGeom prst="ellipse">
+            <a:avLst/>
+          </a:prstGeom>
+          <a:noFill/>
+          <a:ln w="38100">
+            <a:solidFill>
+              <a:srgbClr val="FF0000"/>
+            </a:solidFill>
+          </a:ln>
+        </p:spPr>
+        <p:style>
+          <a:lnRef idx="2">
+            <a:schemeClr val="accent1">
+              <a:shade val="50000"/>
+            </a:schemeClr>
+          </a:lnRef>
+          <a:fillRef idx="1">
+            <a:schemeClr val="accent1"/>
+          </a:fillRef>
+          <a:effectRef idx="0">
+            <a:schemeClr val="accent1"/>
+          </a:effectRef>
+          <a:fontRef idx="minor">
+            <a:schemeClr val="lt1"/>
+          </a:fontRef>
+        </p:style>
+        <p:txBody>
+          <a:bodyPr rot="0" spcFirstLastPara="0" vertOverflow="overflow" horzOverflow="overflow" vert="horz" wrap="square" lIns="91440" tIns="45720" rIns="91440" bIns="45720" numCol="1" spcCol="0" rtlCol="0" fromWordArt="0" anchor="ctr" anchorCtr="0" forceAA="0" compatLnSpc="1">
+            <a:prstTxWarp prst="textNoShape">
+              <a:avLst/>
+            </a:prstTxWarp>
+            <a:noAutofit/>
+          </a:bodyPr>
+          <a:lstStyle/>
+          <a:p>
+            <a:pPr algn="ctr"/>
+            <a:endParaRPr lang="ja-JP" altLang="en-US"/>
+          </a:p>
+        </p:txBody>
+      </p:sp>
+      <p:sp>
+        <p:nvSpPr>
+          <p:cNvPr id="8" name="楕円 7"/>
+          <p:cNvSpPr/>
+          <p:nvPr/>
+        </p:nvSpPr>
+        <p:spPr>
+          <a:xfrm>
+            <a:off x="5182555" y="1354137"/>
+            <a:ext cx="568960" cy="314960"/>
+          </a:xfrm>
+          <a:prstGeom prst="ellipse">
+            <a:avLst/>
+          </a:prstGeom>
+          <a:noFill/>
+          <a:ln w="38100">
+            <a:solidFill>
+              <a:srgbClr val="FF0000"/>
+            </a:solidFill>
+          </a:ln>
+        </p:spPr>
+        <p:style>
+          <a:lnRef idx="2">
+            <a:schemeClr val="accent1">
+              <a:shade val="50000"/>
+            </a:schemeClr>
+          </a:lnRef>
+          <a:fillRef idx="1">
+            <a:schemeClr val="accent1"/>
+          </a:fillRef>
+          <a:effectRef idx="0">
+            <a:schemeClr val="accent1"/>
+          </a:effectRef>
+          <a:fontRef idx="minor">
+            <a:schemeClr val="lt1"/>
+          </a:fontRef>
+        </p:style>
+        <p:txBody>
+          <a:bodyPr rot="0" spcFirstLastPara="0" vertOverflow="overflow" horzOverflow="overflow" vert="horz" wrap="square" lIns="91440" tIns="45720" rIns="91440" bIns="45720" numCol="1" spcCol="0" rtlCol="0" fromWordArt="0" anchor="ctr" anchorCtr="0" forceAA="0" compatLnSpc="1">
+            <a:prstTxWarp prst="textNoShape">
+              <a:avLst/>
+            </a:prstTxWarp>
+            <a:noAutofit/>
+          </a:bodyPr>
+          <a:lstStyle/>
+          <a:p>
+            <a:pPr algn="ctr"/>
+            <a:endParaRPr lang="ja-JP" altLang="en-US"/>
+          </a:p>
+        </p:txBody>
+      </p:sp>
+      <p:sp>
+        <p:nvSpPr>
+          <p:cNvPr id="9" name="楕円 8"/>
+          <p:cNvSpPr/>
+          <p:nvPr/>
+        </p:nvSpPr>
+        <p:spPr>
+          <a:xfrm>
+            <a:off x="3083560" y="2819934"/>
+            <a:ext cx="863600" cy="863600"/>
+          </a:xfrm>
+          <a:prstGeom prst="ellipse">
+            <a:avLst/>
+          </a:prstGeom>
+          <a:noFill/>
+          <a:ln w="38100">
+            <a:solidFill>
+              <a:srgbClr val="FF0000"/>
+            </a:solidFill>
+          </a:ln>
+        </p:spPr>
+        <p:style>
+          <a:lnRef idx="2">
+            <a:schemeClr val="accent1">
+              <a:shade val="50000"/>
+            </a:schemeClr>
+          </a:lnRef>
+          <a:fillRef idx="1">
+            <a:schemeClr val="accent1"/>
+          </a:fillRef>
+          <a:effectRef idx="0">
+            <a:schemeClr val="accent1"/>
+          </a:effectRef>
+          <a:fontRef idx="minor">
+            <a:schemeClr val="lt1"/>
+          </a:fontRef>
+        </p:style>
+        <p:txBody>
+          <a:bodyPr rot="0" spcFirstLastPara="0" vertOverflow="overflow" horzOverflow="overflow" vert="horz" wrap="square" lIns="91440" tIns="45720" rIns="91440" bIns="45720" numCol="1" spcCol="0" rtlCol="0" fromWordArt="0" anchor="ctr" anchorCtr="0" forceAA="0" compatLnSpc="1">
+            <a:prstTxWarp prst="textNoShape">
+              <a:avLst/>
+            </a:prstTxWarp>
+            <a:noAutofit/>
+          </a:bodyPr>
+          <a:lstStyle/>
+          <a:p>
+            <a:pPr algn="ctr"/>
+            <a:endParaRPr lang="ja-JP" altLang="en-US"/>
+          </a:p>
+        </p:txBody>
+      </p:sp>
+      <p:sp>
+        <p:nvSpPr>
+          <p:cNvPr id="14" name="楕円 13"/>
+          <p:cNvSpPr/>
+          <p:nvPr/>
+        </p:nvSpPr>
+        <p:spPr>
+          <a:xfrm>
+            <a:off x="4839336" y="2352485"/>
+            <a:ext cx="366484" cy="366484"/>
+          </a:xfrm>
+          <a:prstGeom prst="ellipse">
+            <a:avLst/>
+          </a:prstGeom>
+          <a:noFill/>
+          <a:ln w="38100">
+            <a:solidFill>
+              <a:srgbClr val="FF0000"/>
+            </a:solidFill>
+          </a:ln>
+        </p:spPr>
+        <p:style>
+          <a:lnRef idx="2">
+            <a:schemeClr val="accent1">
+              <a:shade val="50000"/>
+            </a:schemeClr>
+          </a:lnRef>
+          <a:fillRef idx="1">
+            <a:schemeClr val="accent1"/>
+          </a:fillRef>
+          <a:effectRef idx="0">
+            <a:schemeClr val="accent1"/>
+          </a:effectRef>
+          <a:fontRef idx="minor">
+            <a:schemeClr val="lt1"/>
+          </a:fontRef>
+        </p:style>
+        <p:txBody>
+          <a:bodyPr rot="0" spcFirstLastPara="0" vertOverflow="overflow" horzOverflow="overflow" vert="horz" wrap="square" lIns="91440" tIns="45720" rIns="91440" bIns="45720" numCol="1" spcCol="0" rtlCol="0" fromWordArt="0" anchor="ctr" anchorCtr="0" forceAA="0" compatLnSpc="1">
+            <a:prstTxWarp prst="textNoShape">
+              <a:avLst/>
+            </a:prstTxWarp>
+            <a:noAutofit/>
+          </a:bodyPr>
+          <a:lstStyle/>
+          <a:p>
+            <a:pPr algn="ctr"/>
+            <a:endParaRPr lang="ja-JP" altLang="en-US"/>
+          </a:p>
+        </p:txBody>
+      </p:sp>
+      <p:sp>
+        <p:nvSpPr>
+          <p:cNvPr id="15" name="楕円 14"/>
+          <p:cNvSpPr/>
+          <p:nvPr/>
+        </p:nvSpPr>
+        <p:spPr>
+          <a:xfrm>
+            <a:off x="5161370" y="2673069"/>
+            <a:ext cx="366484" cy="366484"/>
+          </a:xfrm>
+          <a:prstGeom prst="ellipse">
+            <a:avLst/>
+          </a:prstGeom>
+          <a:noFill/>
+          <a:ln w="38100">
+            <a:solidFill>
+              <a:srgbClr val="FF0000"/>
+            </a:solidFill>
+          </a:ln>
+        </p:spPr>
+        <p:style>
+          <a:lnRef idx="2">
+            <a:schemeClr val="accent1">
+              <a:shade val="50000"/>
+            </a:schemeClr>
+          </a:lnRef>
+          <a:fillRef idx="1">
+            <a:schemeClr val="accent1"/>
+          </a:fillRef>
+          <a:effectRef idx="0">
+            <a:schemeClr val="accent1"/>
+          </a:effectRef>
+          <a:fontRef idx="minor">
+            <a:schemeClr val="lt1"/>
+          </a:fontRef>
+        </p:style>
+        <p:txBody>
+          <a:bodyPr rot="0" spcFirstLastPara="0" vertOverflow="overflow" horzOverflow="overflow" vert="horz" wrap="square" lIns="91440" tIns="45720" rIns="91440" bIns="45720" numCol="1" spcCol="0" rtlCol="0" fromWordArt="0" anchor="ctr" anchorCtr="0" forceAA="0" compatLnSpc="1">
+            <a:prstTxWarp prst="textNoShape">
+              <a:avLst/>
+            </a:prstTxWarp>
+            <a:noAutofit/>
+          </a:bodyPr>
+          <a:lstStyle/>
+          <a:p>
+            <a:pPr algn="ctr"/>
+            <a:endParaRPr lang="ja-JP" altLang="en-US"/>
+          </a:p>
+        </p:txBody>
+      </p:sp>
+      <p:sp>
+        <p:nvSpPr>
+          <p:cNvPr id="16" name="楕円 15"/>
+          <p:cNvSpPr/>
+          <p:nvPr/>
+        </p:nvSpPr>
+        <p:spPr>
+          <a:xfrm>
+            <a:off x="5483403" y="2352485"/>
+            <a:ext cx="366484" cy="366484"/>
+          </a:xfrm>
+          <a:prstGeom prst="ellipse">
+            <a:avLst/>
+          </a:prstGeom>
+          <a:noFill/>
+          <a:ln w="38100">
+            <a:solidFill>
+              <a:srgbClr val="FF0000"/>
+            </a:solidFill>
+          </a:ln>
+        </p:spPr>
+        <p:style>
+          <a:lnRef idx="2">
+            <a:schemeClr val="accent1">
+              <a:shade val="50000"/>
+            </a:schemeClr>
+          </a:lnRef>
+          <a:fillRef idx="1">
+            <a:schemeClr val="accent1"/>
+          </a:fillRef>
+          <a:effectRef idx="0">
+            <a:schemeClr val="accent1"/>
+          </a:effectRef>
+          <a:fontRef idx="minor">
+            <a:schemeClr val="lt1"/>
+          </a:fontRef>
+        </p:style>
+        <p:txBody>
+          <a:bodyPr rot="0" spcFirstLastPara="0" vertOverflow="overflow" horzOverflow="overflow" vert="horz" wrap="square" lIns="91440" tIns="45720" rIns="91440" bIns="45720" numCol="1" spcCol="0" rtlCol="0" fromWordArt="0" anchor="ctr" anchorCtr="0" forceAA="0" compatLnSpc="1">
+            <a:prstTxWarp prst="textNoShape">
+              <a:avLst/>
+            </a:prstTxWarp>
+            <a:noAutofit/>
+          </a:bodyPr>
+          <a:lstStyle/>
+          <a:p>
+            <a:pPr algn="ctr"/>
+            <a:endParaRPr lang="ja-JP" altLang="en-US"/>
+          </a:p>
+        </p:txBody>
+      </p:sp>
+      <p:cxnSp>
+        <p:nvCxnSpPr>
+          <p:cNvPr id="18" name="直線コネクタ 17"/>
+          <p:cNvCxnSpPr>
+            <a:stCxn id="14" idx="6"/>
+            <a:endCxn id="16" idx="2"/>
+          </p:cNvCxnSpPr>
+          <p:nvPr/>
+        </p:nvCxnSpPr>
+        <p:spPr>
+          <a:xfrm>
+            <a:off x="5205821" y="2535726"/>
+            <a:ext cx="277583" cy="0"/>
+          </a:xfrm>
+          <a:prstGeom prst="line">
+            <a:avLst/>
+          </a:prstGeom>
+          <a:ln w="38100">
+            <a:solidFill>
+              <a:srgbClr val="FF0000"/>
+            </a:solidFill>
+          </a:ln>
+        </p:spPr>
+        <p:style>
+          <a:lnRef idx="1">
+            <a:schemeClr val="accent1"/>
+          </a:lnRef>
+          <a:fillRef idx="0">
+            <a:schemeClr val="accent1"/>
+          </a:fillRef>
+          <a:effectRef idx="0">
+            <a:schemeClr val="accent1"/>
+          </a:effectRef>
+          <a:fontRef idx="minor">
+            <a:schemeClr val="tx1"/>
+          </a:fontRef>
+        </p:style>
+      </p:cxnSp>
+      <p:cxnSp>
+        <p:nvCxnSpPr>
+          <p:cNvPr id="19" name="直線コネクタ 18"/>
+          <p:cNvCxnSpPr>
+            <a:stCxn id="14" idx="5"/>
+            <a:endCxn id="15" idx="1"/>
+          </p:cNvCxnSpPr>
+          <p:nvPr/>
+        </p:nvCxnSpPr>
+        <p:spPr>
+          <a:xfrm>
+            <a:off x="5152149" y="2665298"/>
+            <a:ext cx="62890" cy="61440"/>
+          </a:xfrm>
+          <a:prstGeom prst="line">
+            <a:avLst/>
+          </a:prstGeom>
+          <a:ln w="38100">
+            <a:solidFill>
+              <a:srgbClr val="FF0000"/>
+            </a:solidFill>
+          </a:ln>
+        </p:spPr>
+        <p:style>
+          <a:lnRef idx="1">
+            <a:schemeClr val="accent1"/>
+          </a:lnRef>
+          <a:fillRef idx="0">
+            <a:schemeClr val="accent1"/>
+          </a:fillRef>
+          <a:effectRef idx="0">
+            <a:schemeClr val="accent1"/>
+          </a:effectRef>
+          <a:fontRef idx="minor">
+            <a:schemeClr val="tx1"/>
+          </a:fontRef>
+        </p:style>
+      </p:cxnSp>
+      <p:cxnSp>
+        <p:nvCxnSpPr>
+          <p:cNvPr id="22" name="直線コネクタ 21"/>
+          <p:cNvCxnSpPr>
+            <a:stCxn id="16" idx="3"/>
+            <a:endCxn id="15" idx="7"/>
+          </p:cNvCxnSpPr>
+          <p:nvPr/>
+        </p:nvCxnSpPr>
+        <p:spPr>
+          <a:xfrm flipH="1">
+            <a:off x="5474186" y="2665298"/>
+            <a:ext cx="62889" cy="61440"/>
+          </a:xfrm>
+          <a:prstGeom prst="line">
+            <a:avLst/>
+          </a:prstGeom>
+          <a:ln w="38100">
+            <a:solidFill>
+              <a:srgbClr val="FF0000"/>
+            </a:solidFill>
+          </a:ln>
+        </p:spPr>
+        <p:style>
+          <a:lnRef idx="1">
+            <a:schemeClr val="accent1"/>
+          </a:lnRef>
+          <a:fillRef idx="0">
+            <a:schemeClr val="accent1"/>
+          </a:fillRef>
+          <a:effectRef idx="0">
+            <a:schemeClr val="accent1"/>
+          </a:effectRef>
+          <a:fontRef idx="minor">
+            <a:schemeClr val="tx1"/>
+          </a:fontRef>
+        </p:style>
+      </p:cxnSp>
+      <p:sp>
+        <p:nvSpPr>
+          <p:cNvPr id="25" name="正方形/長方形 24"/>
+          <p:cNvSpPr/>
+          <p:nvPr/>
+        </p:nvSpPr>
+        <p:spPr>
+          <a:xfrm>
+            <a:off x="2910841" y="1039668"/>
+            <a:ext cx="2440539" cy="584647"/>
+          </a:xfrm>
+          <a:prstGeom prst="rect">
+            <a:avLst/>
+          </a:prstGeom>
+          <a:noFill/>
+        </p:spPr>
+        <p:txBody>
+          <a:bodyPr wrap="square" lIns="91440" tIns="45720" rIns="91440" bIns="45720">
+            <a:spAutoFit/>
+          </a:bodyPr>
+          <a:lstStyle/>
+          <a:p>
+            <a:pPr algn="ctr"/>
+            <a:r>
+              <a:rPr lang="ja-JP" altLang="en-US" sz="3199" dirty="0">
+                <a:ln w="0">
+                  <a:solidFill>
+                    <a:schemeClr val="tx1"/>
+                  </a:solidFill>
+                </a:ln>
+                <a:solidFill>
+                  <a:srgbClr val="FFFF00"/>
+                </a:solidFill>
+                <a:effectLst>
+                  <a:outerShdw blurRad="38100" dist="19050" dir="2700000" algn="tl" rotWithShape="0">
+                    <a:schemeClr val="dk1">
+                      <a:alpha val="40000"/>
+                    </a:schemeClr>
+                  </a:outerShdw>
+                </a:effectLst>
+                <a:latin typeface="Adobe Gothic Std B" panose="020B0800000000000000" pitchFamily="34" charset="-128"/>
+                <a:ea typeface="Adobe Gothic Std B" panose="020B0800000000000000" pitchFamily="34" charset="-128"/>
+              </a:rPr>
+              <a:t>回転</a:t>
+            </a:r>
+          </a:p>
+        </p:txBody>
+      </p:sp>
+      <p:sp>
+        <p:nvSpPr>
+          <p:cNvPr id="26" name="正方形/長方形 25"/>
+          <p:cNvSpPr/>
+          <p:nvPr/>
+        </p:nvSpPr>
+        <p:spPr>
+          <a:xfrm>
+            <a:off x="3226106" y="3771079"/>
+            <a:ext cx="2440539" cy="584647"/>
+          </a:xfrm>
+          <a:prstGeom prst="rect">
+            <a:avLst/>
+          </a:prstGeom>
+          <a:noFill/>
+        </p:spPr>
+        <p:txBody>
+          <a:bodyPr wrap="square" lIns="91440" tIns="45720" rIns="91440" bIns="45720">
+            <a:spAutoFit/>
+          </a:bodyPr>
+          <a:lstStyle/>
+          <a:p>
+            <a:pPr algn="ctr"/>
+            <a:r>
+              <a:rPr lang="ja-JP" altLang="en-US" sz="3199" dirty="0">
+                <a:ln w="0">
+                  <a:solidFill>
+                    <a:schemeClr val="tx1"/>
+                  </a:solidFill>
+                </a:ln>
+                <a:solidFill>
+                  <a:srgbClr val="FFFF00"/>
+                </a:solidFill>
+                <a:effectLst>
+                  <a:outerShdw blurRad="38100" dist="19050" dir="2700000" algn="tl" rotWithShape="0">
+                    <a:schemeClr val="dk1">
+                      <a:alpha val="40000"/>
+                    </a:schemeClr>
+                  </a:outerShdw>
+                </a:effectLst>
+                <a:latin typeface="Adobe Gothic Std B" panose="020B0800000000000000" pitchFamily="34" charset="-128"/>
+                <a:ea typeface="Adobe Gothic Std B" panose="020B0800000000000000" pitchFamily="34" charset="-128"/>
+              </a:rPr>
+              <a:t>旋回</a:t>
+            </a:r>
+          </a:p>
+        </p:txBody>
+      </p:sp>
+      <p:sp>
+        <p:nvSpPr>
+          <p:cNvPr id="27" name="正方形/長方形 26"/>
+          <p:cNvSpPr/>
+          <p:nvPr/>
+        </p:nvSpPr>
+        <p:spPr>
+          <a:xfrm>
+            <a:off x="6259590" y="2035104"/>
+            <a:ext cx="1043087" cy="1569276"/>
+          </a:xfrm>
+          <a:prstGeom prst="rect">
+            <a:avLst/>
+          </a:prstGeom>
+          <a:noFill/>
+        </p:spPr>
+        <p:txBody>
+          <a:bodyPr wrap="square" lIns="91440" tIns="45720" rIns="91440" bIns="45720">
+            <a:spAutoFit/>
+          </a:bodyPr>
+          <a:lstStyle/>
+          <a:p>
+            <a:pPr algn="ctr"/>
+            <a:r>
+              <a:rPr lang="ja-JP" altLang="en-US" sz="3199" dirty="0">
+                <a:ln w="0">
+                  <a:solidFill>
+                    <a:schemeClr val="tx1"/>
+                  </a:solidFill>
+                </a:ln>
+                <a:solidFill>
+                  <a:srgbClr val="FFFF00"/>
+                </a:solidFill>
+                <a:effectLst>
+                  <a:outerShdw blurRad="38100" dist="19050" dir="2700000" algn="tl" rotWithShape="0">
+                    <a:schemeClr val="dk1">
+                      <a:alpha val="40000"/>
+                    </a:schemeClr>
+                  </a:outerShdw>
+                </a:effectLst>
+                <a:latin typeface="Adobe Gothic Std B" panose="020B0800000000000000" pitchFamily="34" charset="-128"/>
+                <a:ea typeface="Adobe Gothic Std B" panose="020B0800000000000000" pitchFamily="34" charset="-128"/>
+              </a:rPr>
+              <a:t>前進</a:t>
+            </a:r>
+            <a:r>
+              <a:rPr lang="en-US" altLang="ja-JP" sz="3199" dirty="0">
+                <a:ln w="0">
+                  <a:solidFill>
+                    <a:schemeClr val="tx1"/>
+                  </a:solidFill>
+                </a:ln>
+                <a:solidFill>
+                  <a:srgbClr val="FFFF00"/>
+                </a:solidFill>
+                <a:effectLst>
+                  <a:outerShdw blurRad="38100" dist="19050" dir="2700000" algn="tl" rotWithShape="0">
+                    <a:schemeClr val="dk1">
+                      <a:alpha val="40000"/>
+                    </a:schemeClr>
+                  </a:outerShdw>
+                </a:effectLst>
+                <a:latin typeface="Adobe Gothic Std B" panose="020B0800000000000000" pitchFamily="34" charset="-128"/>
+                <a:ea typeface="Adobe Gothic Std B" panose="020B0800000000000000" pitchFamily="34" charset="-128"/>
+              </a:rPr>
+              <a:t/>
+            </a:r>
+            <a:br>
+              <a:rPr lang="en-US" altLang="ja-JP" sz="3199" dirty="0">
+                <a:ln w="0">
+                  <a:solidFill>
+                    <a:schemeClr val="tx1"/>
+                  </a:solidFill>
+                </a:ln>
+                <a:solidFill>
+                  <a:srgbClr val="FFFF00"/>
+                </a:solidFill>
+                <a:effectLst>
+                  <a:outerShdw blurRad="38100" dist="19050" dir="2700000" algn="tl" rotWithShape="0">
+                    <a:schemeClr val="dk1">
+                      <a:alpha val="40000"/>
+                    </a:schemeClr>
+                  </a:outerShdw>
+                </a:effectLst>
+                <a:latin typeface="Adobe Gothic Std B" panose="020B0800000000000000" pitchFamily="34" charset="-128"/>
+                <a:ea typeface="Adobe Gothic Std B" panose="020B0800000000000000" pitchFamily="34" charset="-128"/>
+              </a:rPr>
+            </a:br>
+            <a:r>
+              <a:rPr lang="ja-JP" altLang="en-US" sz="3199" dirty="0">
+                <a:ln w="0">
+                  <a:solidFill>
+                    <a:schemeClr val="tx1"/>
+                  </a:solidFill>
+                </a:ln>
+                <a:solidFill>
+                  <a:srgbClr val="FFFF00"/>
+                </a:solidFill>
+                <a:effectLst>
+                  <a:outerShdw blurRad="38100" dist="19050" dir="2700000" algn="tl" rotWithShape="0">
+                    <a:schemeClr val="dk1">
+                      <a:alpha val="40000"/>
+                    </a:schemeClr>
+                  </a:outerShdw>
+                </a:effectLst>
+                <a:latin typeface="Adobe Gothic Std B" panose="020B0800000000000000" pitchFamily="34" charset="-128"/>
+                <a:ea typeface="Adobe Gothic Std B" panose="020B0800000000000000" pitchFamily="34" charset="-128"/>
+              </a:rPr>
+              <a:t>後進</a:t>
+            </a:r>
+            <a:r>
+              <a:rPr lang="en-US" altLang="ja-JP" sz="3199" dirty="0">
+                <a:ln w="0">
+                  <a:solidFill>
+                    <a:schemeClr val="tx1"/>
+                  </a:solidFill>
+                </a:ln>
+                <a:solidFill>
+                  <a:srgbClr val="FFFF00"/>
+                </a:solidFill>
+                <a:effectLst>
+                  <a:outerShdw blurRad="38100" dist="19050" dir="2700000" algn="tl" rotWithShape="0">
+                    <a:schemeClr val="dk1">
+                      <a:alpha val="40000"/>
+                    </a:schemeClr>
+                  </a:outerShdw>
+                </a:effectLst>
+                <a:latin typeface="Adobe Gothic Std B" panose="020B0800000000000000" pitchFamily="34" charset="-128"/>
+                <a:ea typeface="Adobe Gothic Std B" panose="020B0800000000000000" pitchFamily="34" charset="-128"/>
+              </a:rPr>
+              <a:t/>
+            </a:r>
+            <a:br>
+              <a:rPr lang="en-US" altLang="ja-JP" sz="3199" dirty="0">
+                <a:ln w="0">
+                  <a:solidFill>
+                    <a:schemeClr val="tx1"/>
+                  </a:solidFill>
+                </a:ln>
+                <a:solidFill>
+                  <a:srgbClr val="FFFF00"/>
+                </a:solidFill>
+                <a:effectLst>
+                  <a:outerShdw blurRad="38100" dist="19050" dir="2700000" algn="tl" rotWithShape="0">
+                    <a:schemeClr val="dk1">
+                      <a:alpha val="40000"/>
+                    </a:schemeClr>
+                  </a:outerShdw>
+                </a:effectLst>
+                <a:latin typeface="Adobe Gothic Std B" panose="020B0800000000000000" pitchFamily="34" charset="-128"/>
+                <a:ea typeface="Adobe Gothic Std B" panose="020B0800000000000000" pitchFamily="34" charset="-128"/>
+              </a:rPr>
+            </a:br>
+            <a:r>
+              <a:rPr lang="ja-JP" altLang="en-US" sz="3199" dirty="0">
+                <a:ln w="0">
+                  <a:solidFill>
+                    <a:schemeClr val="tx1"/>
+                  </a:solidFill>
+                </a:ln>
+                <a:solidFill>
+                  <a:srgbClr val="FFFF00"/>
+                </a:solidFill>
+                <a:effectLst>
+                  <a:outerShdw blurRad="38100" dist="19050" dir="2700000" algn="tl" rotWithShape="0">
+                    <a:schemeClr val="dk1">
+                      <a:alpha val="40000"/>
+                    </a:schemeClr>
+                  </a:outerShdw>
+                </a:effectLst>
+                <a:latin typeface="Adobe Gothic Std B" panose="020B0800000000000000" pitchFamily="34" charset="-128"/>
+                <a:ea typeface="Adobe Gothic Std B" panose="020B0800000000000000" pitchFamily="34" charset="-128"/>
+              </a:rPr>
+              <a:t>発射</a:t>
+            </a:r>
+          </a:p>
+        </p:txBody>
+      </p:sp>
+      <p:sp>
+        <p:nvSpPr>
+          <p:cNvPr id="28" name="正方形/長方形 27"/>
+          <p:cNvSpPr/>
+          <p:nvPr/>
+        </p:nvSpPr>
+        <p:spPr>
+          <a:xfrm>
+            <a:off x="132703" y="4210559"/>
+            <a:ext cx="3964547" cy="646203"/>
+          </a:xfrm>
+          <a:prstGeom prst="rect">
+            <a:avLst/>
+          </a:prstGeom>
+          <a:noFill/>
+        </p:spPr>
+        <p:txBody>
+          <a:bodyPr wrap="none" lIns="91440" tIns="45720" rIns="91440" bIns="45720">
+            <a:spAutoFit/>
+          </a:bodyPr>
+          <a:lstStyle/>
+          <a:p>
+            <a:pPr algn="ctr"/>
+            <a:r>
+              <a:rPr lang="en-US" altLang="ja-JP" sz="3599" dirty="0">
+                <a:ln w="0">
+                  <a:solidFill>
+                    <a:schemeClr val="tx1"/>
+                  </a:solidFill>
+                </a:ln>
+                <a:solidFill>
+                  <a:srgbClr val="FF0000"/>
+                </a:solidFill>
+                <a:effectLst>
+                  <a:outerShdw blurRad="38100" dist="19050" dir="2700000" algn="tl" rotWithShape="0">
+                    <a:schemeClr val="dk1">
+                      <a:alpha val="40000"/>
+                    </a:schemeClr>
+                  </a:outerShdw>
+                </a:effectLst>
+                <a:latin typeface="Adobe Gothic Std B" panose="020B0800000000000000" pitchFamily="34" charset="-128"/>
+                <a:ea typeface="Adobe Gothic Std B" panose="020B0800000000000000" pitchFamily="34" charset="-128"/>
+              </a:rPr>
+              <a:t>※R3</a:t>
+            </a:r>
+            <a:r>
+              <a:rPr lang="ja-JP" altLang="en-US" sz="3599" dirty="0">
+                <a:ln w="0">
+                  <a:solidFill>
+                    <a:schemeClr val="tx1"/>
+                  </a:solidFill>
+                </a:ln>
+                <a:solidFill>
+                  <a:srgbClr val="FF0000"/>
+                </a:solidFill>
+                <a:effectLst>
+                  <a:outerShdw blurRad="38100" dist="19050" dir="2700000" algn="tl" rotWithShape="0">
+                    <a:schemeClr val="dk1">
+                      <a:alpha val="40000"/>
+                    </a:schemeClr>
+                  </a:outerShdw>
+                </a:effectLst>
+                <a:latin typeface="Adobe Gothic Std B" panose="020B0800000000000000" pitchFamily="34" charset="-128"/>
+                <a:ea typeface="Adobe Gothic Std B" panose="020B0800000000000000" pitchFamily="34" charset="-128"/>
+              </a:rPr>
+              <a:t>でゲーム画面</a:t>
+            </a:r>
+          </a:p>
+        </p:txBody>
+      </p:sp>
+      <p:sp>
+        <p:nvSpPr>
+          <p:cNvPr id="29" name="正方形/長方形 28"/>
+          <p:cNvSpPr/>
+          <p:nvPr/>
+        </p:nvSpPr>
+        <p:spPr>
+          <a:xfrm>
+            <a:off x="3104973" y="4694510"/>
+            <a:ext cx="4801314" cy="646203"/>
+          </a:xfrm>
+          <a:prstGeom prst="rect">
+            <a:avLst/>
+          </a:prstGeom>
+          <a:noFill/>
+        </p:spPr>
+        <p:txBody>
+          <a:bodyPr wrap="none" lIns="91440" tIns="45720" rIns="91440" bIns="45720">
+            <a:spAutoFit/>
+          </a:bodyPr>
+          <a:lstStyle/>
+          <a:p>
+            <a:pPr algn="ctr"/>
+            <a:r>
+              <a:rPr lang="ja-JP" altLang="en-US" sz="3599" dirty="0">
+                <a:ln w="0">
+                  <a:solidFill>
+                    <a:schemeClr val="tx1"/>
+                  </a:solidFill>
+                </a:ln>
+                <a:solidFill>
+                  <a:srgbClr val="FF0000"/>
+                </a:solidFill>
+                <a:effectLst>
+                  <a:outerShdw blurRad="38100" dist="19050" dir="2700000" algn="tl" rotWithShape="0">
+                    <a:schemeClr val="dk1">
+                      <a:alpha val="40000"/>
+                    </a:schemeClr>
+                  </a:outerShdw>
+                </a:effectLst>
+                <a:latin typeface="Adobe Gothic Std B" panose="020B0800000000000000" pitchFamily="34" charset="-128"/>
+                <a:ea typeface="Adobe Gothic Std B" panose="020B0800000000000000" pitchFamily="34" charset="-128"/>
+              </a:rPr>
+              <a:t>スタートボタンで対戦</a:t>
+            </a:r>
+          </a:p>
+        </p:txBody>
+      </p:sp>
+      <p:sp>
+        <p:nvSpPr>
+          <p:cNvPr id="30" name="下矢印 29"/>
+          <p:cNvSpPr/>
+          <p:nvPr/>
+        </p:nvSpPr>
+        <p:spPr>
+          <a:xfrm rot="16902653">
+            <a:off x="4756439" y="1162492"/>
+            <a:ext cx="260078" cy="466329"/>
+          </a:xfrm>
+          <a:prstGeom prst="downArrow">
+            <a:avLst/>
+          </a:prstGeom>
+          <a:solidFill>
+            <a:srgbClr val="FFFF00"/>
+          </a:solidFill>
+          <a:ln>
+            <a:solidFill>
+              <a:srgbClr val="002060"/>
+            </a:solidFill>
+          </a:ln>
+          <a:effectLst>
+            <a:glow rad="139700">
+              <a:schemeClr val="accent4">
+                <a:satMod val="175000"/>
+                <a:alpha val="40000"/>
+              </a:schemeClr>
+            </a:glow>
+          </a:effectLst>
+        </p:spPr>
+        <p:style>
+          <a:lnRef idx="2">
+            <a:schemeClr val="accent1">
+              <a:shade val="50000"/>
+            </a:schemeClr>
+          </a:lnRef>
+          <a:fillRef idx="1">
+            <a:schemeClr val="accent1"/>
+          </a:fillRef>
+          <a:effectRef idx="0">
+            <a:schemeClr val="accent1"/>
+          </a:effectRef>
+          <a:fontRef idx="minor">
+            <a:schemeClr val="lt1"/>
+          </a:fontRef>
+        </p:style>
+        <p:txBody>
+          <a:bodyPr rtlCol="0" anchor="ctr"/>
+          <a:lstStyle/>
+          <a:p>
+            <a:pPr algn="ctr"/>
+            <a:endParaRPr kumimoji="1" lang="ja-JP" altLang="en-US"/>
+          </a:p>
+        </p:txBody>
+      </p:sp>
+      <p:sp>
+        <p:nvSpPr>
+          <p:cNvPr id="31" name="下矢印 30"/>
+          <p:cNvSpPr/>
+          <p:nvPr/>
+        </p:nvSpPr>
+        <p:spPr>
+          <a:xfrm rot="4099566">
+            <a:off x="3318235" y="1142498"/>
+            <a:ext cx="260078" cy="466329"/>
+          </a:xfrm>
+          <a:prstGeom prst="downArrow">
+            <a:avLst/>
+          </a:prstGeom>
+          <a:solidFill>
+            <a:srgbClr val="FFFF00"/>
+          </a:solidFill>
+          <a:ln>
+            <a:solidFill>
+              <a:srgbClr val="002060"/>
+            </a:solidFill>
+          </a:ln>
+          <a:effectLst>
+            <a:glow rad="139700">
+              <a:schemeClr val="accent4">
+                <a:satMod val="175000"/>
+                <a:alpha val="40000"/>
+              </a:schemeClr>
+            </a:glow>
+          </a:effectLst>
+        </p:spPr>
+        <p:style>
+          <a:lnRef idx="2">
+            <a:schemeClr val="accent1">
+              <a:shade val="50000"/>
+            </a:schemeClr>
+          </a:lnRef>
+          <a:fillRef idx="1">
+            <a:schemeClr val="accent1"/>
+          </a:fillRef>
+          <a:effectRef idx="0">
+            <a:schemeClr val="accent1"/>
+          </a:effectRef>
+          <a:fontRef idx="minor">
+            <a:schemeClr val="lt1"/>
+          </a:fontRef>
+        </p:style>
+        <p:txBody>
+          <a:bodyPr rtlCol="0" anchor="ctr"/>
+          <a:lstStyle/>
+          <a:p>
+            <a:pPr algn="ctr"/>
+            <a:endParaRPr kumimoji="1" lang="ja-JP" altLang="en-US"/>
+          </a:p>
+        </p:txBody>
+      </p:sp>
+      <p:sp>
+        <p:nvSpPr>
+          <p:cNvPr id="32" name="下矢印 31"/>
+          <p:cNvSpPr/>
+          <p:nvPr/>
+        </p:nvSpPr>
+        <p:spPr>
+          <a:xfrm rot="7324015">
+            <a:off x="3966870" y="3399879"/>
+            <a:ext cx="260078" cy="466329"/>
+          </a:xfrm>
+          <a:prstGeom prst="downArrow">
+            <a:avLst/>
+          </a:prstGeom>
+          <a:solidFill>
+            <a:srgbClr val="FFFF00"/>
+          </a:solidFill>
+          <a:ln>
+            <a:solidFill>
+              <a:srgbClr val="002060"/>
+            </a:solidFill>
+          </a:ln>
+          <a:effectLst>
+            <a:glow rad="139700">
+              <a:schemeClr val="accent4">
+                <a:satMod val="175000"/>
+                <a:alpha val="40000"/>
+              </a:schemeClr>
+            </a:glow>
+          </a:effectLst>
+        </p:spPr>
+        <p:style>
+          <a:lnRef idx="2">
+            <a:schemeClr val="accent1">
+              <a:shade val="50000"/>
+            </a:schemeClr>
+          </a:lnRef>
+          <a:fillRef idx="1">
+            <a:schemeClr val="accent1"/>
+          </a:fillRef>
+          <a:effectRef idx="0">
+            <a:schemeClr val="accent1"/>
+          </a:effectRef>
+          <a:fontRef idx="minor">
+            <a:schemeClr val="lt1"/>
+          </a:fontRef>
+        </p:style>
+        <p:txBody>
+          <a:bodyPr rtlCol="0" anchor="ctr"/>
+          <a:lstStyle/>
+          <a:p>
+            <a:pPr algn="ctr"/>
+            <a:endParaRPr kumimoji="1" lang="ja-JP" altLang="en-US"/>
+          </a:p>
+        </p:txBody>
+      </p:sp>
+      <p:sp>
+        <p:nvSpPr>
+          <p:cNvPr id="33" name="下矢印 32"/>
+          <p:cNvSpPr/>
+          <p:nvPr/>
+        </p:nvSpPr>
+        <p:spPr>
+          <a:xfrm rot="5400000">
+            <a:off x="5883976" y="2615844"/>
+            <a:ext cx="260078" cy="466329"/>
+          </a:xfrm>
+          <a:prstGeom prst="downArrow">
+            <a:avLst/>
+          </a:prstGeom>
+          <a:solidFill>
+            <a:srgbClr val="FFFF00"/>
+          </a:solidFill>
+          <a:ln>
+            <a:solidFill>
+              <a:srgbClr val="002060"/>
+            </a:solidFill>
+          </a:ln>
+          <a:effectLst>
+            <a:glow rad="139700">
+              <a:schemeClr val="accent4">
+                <a:satMod val="175000"/>
+                <a:alpha val="40000"/>
+              </a:schemeClr>
+            </a:glow>
+          </a:effectLst>
+        </p:spPr>
+        <p:style>
+          <a:lnRef idx="2">
+            <a:schemeClr val="accent1">
+              <a:shade val="50000"/>
+            </a:schemeClr>
+          </a:lnRef>
+          <a:fillRef idx="1">
+            <a:schemeClr val="accent1"/>
+          </a:fillRef>
+          <a:effectRef idx="0">
+            <a:schemeClr val="accent1"/>
+          </a:effectRef>
+          <a:fontRef idx="minor">
+            <a:schemeClr val="lt1"/>
+          </a:fontRef>
+        </p:style>
+        <p:txBody>
+          <a:bodyPr rtlCol="0" anchor="ctr"/>
+          <a:lstStyle/>
+          <a:p>
+            <a:pPr algn="ctr"/>
+            <a:endParaRPr kumimoji="1" lang="ja-JP" altLang="en-US"/>
+          </a:p>
+        </p:txBody>
+      </p:sp>
+    </p:spTree>
+    <p:extLst>
+      <p:ext uri="{BB962C8B-B14F-4D97-AF65-F5344CB8AC3E}">
+        <p14:creationId xmlns:p14="http://schemas.microsoft.com/office/powerpoint/2010/main" val="1237778400"/>
+      </p:ext>
+    </p:extLst>
+  </p:cSld>
+  <p:clrMapOvr>
+    <a:masterClrMapping/>
+  </p:clrMapOvr>
+  <mc:AlternateContent xmlns:mc="http://schemas.openxmlformats.org/markup-compatibility/2006">
+    <mc:Choice xmlns:p14="http://schemas.microsoft.com/office/powerpoint/2010/main" Requires="p14">
+      <p:transition spd="slow" p14:dur="2000"/>
+    </mc:Choice>
+    <mc:Fallback>
+      <p:transition spd="slow"/>
+    </mc:Fallback>
+  </mc:AlternateContent>
+  <p:timing>
+    <p:tnLst>
+      <p:par>
+        <p:cTn id="1" dur="indefinite" restart="never" nodeType="tmRoot"/>
+      </p:par>
+    </p:tnLst>
+  </p:timing>
+</p:sld>
+</file>
+
+<file path=ppt/slides/slide2.xml><?xml version="1.0" encoding="utf-8"?>
 <p:sld xmlns:a="http://schemas.openxmlformats.org/drawingml/2006/main" xmlns:r="http://schemas.openxmlformats.org/officeDocument/2006/relationships" xmlns:p="http://schemas.openxmlformats.org/presentationml/2006/main">
   <p:cSld>
     <p:spTree>
@@ -3401,13 +4633,13 @@
       </p:sp>
       <p:sp>
         <p:nvSpPr>
-          <p:cNvPr id="7" name="楕円 6"/>
+          <p:cNvPr id="8" name="楕円 7"/>
           <p:cNvSpPr/>
           <p:nvPr/>
         </p:nvSpPr>
         <p:spPr>
           <a:xfrm>
-            <a:off x="2626361" y="1354137"/>
+            <a:off x="5182555" y="1354137"/>
             <a:ext cx="568960" cy="314960"/>
           </a:xfrm>
           <a:prstGeom prst="ellipse">
@@ -3452,14 +4684,14 @@
       </p:sp>
       <p:sp>
         <p:nvSpPr>
-          <p:cNvPr id="8" name="楕円 7"/>
+          <p:cNvPr id="9" name="楕円 8"/>
           <p:cNvSpPr/>
           <p:nvPr/>
         </p:nvSpPr>
         <p:spPr>
           <a:xfrm>
-            <a:off x="5182555" y="1354137"/>
-            <a:ext cx="568960" cy="314960"/>
+            <a:off x="3083560" y="2819934"/>
+            <a:ext cx="863600" cy="863600"/>
           </a:xfrm>
           <a:prstGeom prst="ellipse">
             <a:avLst/>
@@ -3503,331 +4735,13 @@
       </p:sp>
       <p:sp>
         <p:nvSpPr>
-          <p:cNvPr id="9" name="楕円 8"/>
-          <p:cNvSpPr/>
-          <p:nvPr/>
-        </p:nvSpPr>
-        <p:spPr>
-          <a:xfrm>
-            <a:off x="3083560" y="2819934"/>
-            <a:ext cx="863600" cy="863600"/>
-          </a:xfrm>
-          <a:prstGeom prst="ellipse">
-            <a:avLst/>
-          </a:prstGeom>
-          <a:noFill/>
-          <a:ln w="38100">
-            <a:solidFill>
-              <a:srgbClr val="FF0000"/>
-            </a:solidFill>
-          </a:ln>
-        </p:spPr>
-        <p:style>
-          <a:lnRef idx="2">
-            <a:schemeClr val="accent1">
-              <a:shade val="50000"/>
-            </a:schemeClr>
-          </a:lnRef>
-          <a:fillRef idx="1">
-            <a:schemeClr val="accent1"/>
-          </a:fillRef>
-          <a:effectRef idx="0">
-            <a:schemeClr val="accent1"/>
-          </a:effectRef>
-          <a:fontRef idx="minor">
-            <a:schemeClr val="lt1"/>
-          </a:fontRef>
-        </p:style>
-        <p:txBody>
-          <a:bodyPr rot="0" spcFirstLastPara="0" vertOverflow="overflow" horzOverflow="overflow" vert="horz" wrap="square" lIns="91440" tIns="45720" rIns="91440" bIns="45720" numCol="1" spcCol="0" rtlCol="0" fromWordArt="0" anchor="ctr" anchorCtr="0" forceAA="0" compatLnSpc="1">
-            <a:prstTxWarp prst="textNoShape">
-              <a:avLst/>
-            </a:prstTxWarp>
-            <a:noAutofit/>
-          </a:bodyPr>
-          <a:lstStyle/>
-          <a:p>
-            <a:pPr algn="ctr"/>
-            <a:endParaRPr lang="ja-JP" altLang="en-US"/>
-          </a:p>
-        </p:txBody>
-      </p:sp>
-      <p:sp>
-        <p:nvSpPr>
-          <p:cNvPr id="14" name="楕円 13"/>
-          <p:cNvSpPr/>
-          <p:nvPr/>
-        </p:nvSpPr>
-        <p:spPr>
-          <a:xfrm>
-            <a:off x="4839336" y="2352485"/>
-            <a:ext cx="366484" cy="366484"/>
-          </a:xfrm>
-          <a:prstGeom prst="ellipse">
-            <a:avLst/>
-          </a:prstGeom>
-          <a:noFill/>
-          <a:ln w="38100">
-            <a:solidFill>
-              <a:srgbClr val="FF0000"/>
-            </a:solidFill>
-          </a:ln>
-        </p:spPr>
-        <p:style>
-          <a:lnRef idx="2">
-            <a:schemeClr val="accent1">
-              <a:shade val="50000"/>
-            </a:schemeClr>
-          </a:lnRef>
-          <a:fillRef idx="1">
-            <a:schemeClr val="accent1"/>
-          </a:fillRef>
-          <a:effectRef idx="0">
-            <a:schemeClr val="accent1"/>
-          </a:effectRef>
-          <a:fontRef idx="minor">
-            <a:schemeClr val="lt1"/>
-          </a:fontRef>
-        </p:style>
-        <p:txBody>
-          <a:bodyPr rot="0" spcFirstLastPara="0" vertOverflow="overflow" horzOverflow="overflow" vert="horz" wrap="square" lIns="91440" tIns="45720" rIns="91440" bIns="45720" numCol="1" spcCol="0" rtlCol="0" fromWordArt="0" anchor="ctr" anchorCtr="0" forceAA="0" compatLnSpc="1">
-            <a:prstTxWarp prst="textNoShape">
-              <a:avLst/>
-            </a:prstTxWarp>
-            <a:noAutofit/>
-          </a:bodyPr>
-          <a:lstStyle/>
-          <a:p>
-            <a:pPr algn="ctr"/>
-            <a:endParaRPr lang="ja-JP" altLang="en-US"/>
-          </a:p>
-        </p:txBody>
-      </p:sp>
-      <p:sp>
-        <p:nvSpPr>
-          <p:cNvPr id="15" name="楕円 14"/>
-          <p:cNvSpPr/>
-          <p:nvPr/>
-        </p:nvSpPr>
-        <p:spPr>
-          <a:xfrm>
-            <a:off x="5161370" y="2673069"/>
-            <a:ext cx="366484" cy="366484"/>
-          </a:xfrm>
-          <a:prstGeom prst="ellipse">
-            <a:avLst/>
-          </a:prstGeom>
-          <a:noFill/>
-          <a:ln w="38100">
-            <a:solidFill>
-              <a:srgbClr val="FF0000"/>
-            </a:solidFill>
-          </a:ln>
-        </p:spPr>
-        <p:style>
-          <a:lnRef idx="2">
-            <a:schemeClr val="accent1">
-              <a:shade val="50000"/>
-            </a:schemeClr>
-          </a:lnRef>
-          <a:fillRef idx="1">
-            <a:schemeClr val="accent1"/>
-          </a:fillRef>
-          <a:effectRef idx="0">
-            <a:schemeClr val="accent1"/>
-          </a:effectRef>
-          <a:fontRef idx="minor">
-            <a:schemeClr val="lt1"/>
-          </a:fontRef>
-        </p:style>
-        <p:txBody>
-          <a:bodyPr rot="0" spcFirstLastPara="0" vertOverflow="overflow" horzOverflow="overflow" vert="horz" wrap="square" lIns="91440" tIns="45720" rIns="91440" bIns="45720" numCol="1" spcCol="0" rtlCol="0" fromWordArt="0" anchor="ctr" anchorCtr="0" forceAA="0" compatLnSpc="1">
-            <a:prstTxWarp prst="textNoShape">
-              <a:avLst/>
-            </a:prstTxWarp>
-            <a:noAutofit/>
-          </a:bodyPr>
-          <a:lstStyle/>
-          <a:p>
-            <a:pPr algn="ctr"/>
-            <a:endParaRPr lang="ja-JP" altLang="en-US"/>
-          </a:p>
-        </p:txBody>
-      </p:sp>
-      <p:sp>
-        <p:nvSpPr>
-          <p:cNvPr id="16" name="楕円 15"/>
-          <p:cNvSpPr/>
-          <p:nvPr/>
-        </p:nvSpPr>
-        <p:spPr>
-          <a:xfrm>
-            <a:off x="5483403" y="2352485"/>
-            <a:ext cx="366484" cy="366484"/>
-          </a:xfrm>
-          <a:prstGeom prst="ellipse">
-            <a:avLst/>
-          </a:prstGeom>
-          <a:noFill/>
-          <a:ln w="38100">
-            <a:solidFill>
-              <a:srgbClr val="FF0000"/>
-            </a:solidFill>
-          </a:ln>
-        </p:spPr>
-        <p:style>
-          <a:lnRef idx="2">
-            <a:schemeClr val="accent1">
-              <a:shade val="50000"/>
-            </a:schemeClr>
-          </a:lnRef>
-          <a:fillRef idx="1">
-            <a:schemeClr val="accent1"/>
-          </a:fillRef>
-          <a:effectRef idx="0">
-            <a:schemeClr val="accent1"/>
-          </a:effectRef>
-          <a:fontRef idx="minor">
-            <a:schemeClr val="lt1"/>
-          </a:fontRef>
-        </p:style>
-        <p:txBody>
-          <a:bodyPr rot="0" spcFirstLastPara="0" vertOverflow="overflow" horzOverflow="overflow" vert="horz" wrap="square" lIns="91440" tIns="45720" rIns="91440" bIns="45720" numCol="1" spcCol="0" rtlCol="0" fromWordArt="0" anchor="ctr" anchorCtr="0" forceAA="0" compatLnSpc="1">
-            <a:prstTxWarp prst="textNoShape">
-              <a:avLst/>
-            </a:prstTxWarp>
-            <a:noAutofit/>
-          </a:bodyPr>
-          <a:lstStyle/>
-          <a:p>
-            <a:pPr algn="ctr"/>
-            <a:endParaRPr lang="ja-JP" altLang="en-US"/>
-          </a:p>
-        </p:txBody>
-      </p:sp>
-      <p:cxnSp>
-        <p:nvCxnSpPr>
-          <p:cNvPr id="18" name="直線コネクタ 17"/>
-          <p:cNvCxnSpPr>
-            <a:stCxn id="14" idx="6"/>
-            <a:endCxn id="16" idx="2"/>
-          </p:cNvCxnSpPr>
-          <p:nvPr/>
-        </p:nvCxnSpPr>
-        <p:spPr>
-          <a:xfrm>
-            <a:off x="5205821" y="2535726"/>
-            <a:ext cx="277583" cy="0"/>
-          </a:xfrm>
-          <a:prstGeom prst="line">
-            <a:avLst/>
-          </a:prstGeom>
-          <a:ln w="38100">
-            <a:solidFill>
-              <a:srgbClr val="FF0000"/>
-            </a:solidFill>
-          </a:ln>
-        </p:spPr>
-        <p:style>
-          <a:lnRef idx="1">
-            <a:schemeClr val="accent1"/>
-          </a:lnRef>
-          <a:fillRef idx="0">
-            <a:schemeClr val="accent1"/>
-          </a:fillRef>
-          <a:effectRef idx="0">
-            <a:schemeClr val="accent1"/>
-          </a:effectRef>
-          <a:fontRef idx="minor">
-            <a:schemeClr val="tx1"/>
-          </a:fontRef>
-        </p:style>
-      </p:cxnSp>
-      <p:cxnSp>
-        <p:nvCxnSpPr>
-          <p:cNvPr id="19" name="直線コネクタ 18"/>
-          <p:cNvCxnSpPr>
-            <a:stCxn id="14" idx="5"/>
-            <a:endCxn id="15" idx="1"/>
-          </p:cNvCxnSpPr>
-          <p:nvPr/>
-        </p:nvCxnSpPr>
-        <p:spPr>
-          <a:xfrm>
-            <a:off x="5152149" y="2665298"/>
-            <a:ext cx="62890" cy="61440"/>
-          </a:xfrm>
-          <a:prstGeom prst="line">
-            <a:avLst/>
-          </a:prstGeom>
-          <a:ln w="38100">
-            <a:solidFill>
-              <a:srgbClr val="FF0000"/>
-            </a:solidFill>
-          </a:ln>
-        </p:spPr>
-        <p:style>
-          <a:lnRef idx="1">
-            <a:schemeClr val="accent1"/>
-          </a:lnRef>
-          <a:fillRef idx="0">
-            <a:schemeClr val="accent1"/>
-          </a:fillRef>
-          <a:effectRef idx="0">
-            <a:schemeClr val="accent1"/>
-          </a:effectRef>
-          <a:fontRef idx="minor">
-            <a:schemeClr val="tx1"/>
-          </a:fontRef>
-        </p:style>
-      </p:cxnSp>
-      <p:cxnSp>
-        <p:nvCxnSpPr>
-          <p:cNvPr id="22" name="直線コネクタ 21"/>
-          <p:cNvCxnSpPr>
-            <a:stCxn id="16" idx="3"/>
-            <a:endCxn id="15" idx="7"/>
-          </p:cNvCxnSpPr>
-          <p:nvPr/>
-        </p:nvCxnSpPr>
-        <p:spPr>
-          <a:xfrm flipH="1">
-            <a:off x="5474186" y="2665298"/>
-            <a:ext cx="62889" cy="61440"/>
-          </a:xfrm>
-          <a:prstGeom prst="line">
-            <a:avLst/>
-          </a:prstGeom>
-          <a:ln w="38100">
-            <a:solidFill>
-              <a:srgbClr val="FF0000"/>
-            </a:solidFill>
-          </a:ln>
-        </p:spPr>
-        <p:style>
-          <a:lnRef idx="1">
-            <a:schemeClr val="accent1"/>
-          </a:lnRef>
-          <a:fillRef idx="0">
-            <a:schemeClr val="accent1"/>
-          </a:fillRef>
-          <a:effectRef idx="0">
-            <a:schemeClr val="accent1"/>
-          </a:effectRef>
-          <a:fontRef idx="minor">
-            <a:schemeClr val="tx1"/>
-          </a:fontRef>
-        </p:style>
-      </p:cxnSp>
-      <p:sp>
-        <p:nvSpPr>
           <p:cNvPr id="25" name="正方形/長方形 24"/>
           <p:cNvSpPr/>
           <p:nvPr/>
         </p:nvSpPr>
         <p:spPr>
           <a:xfrm>
-            <a:off x="2910841" y="1039668"/>
+            <a:off x="2880965" y="1041318"/>
             <a:ext cx="2440539" cy="584647"/>
           </a:xfrm>
           <a:prstGeom prst="rect">
@@ -3843,233 +4757,7 @@
           <a:p>
             <a:pPr algn="ctr"/>
             <a:r>
-              <a:rPr lang="ja-JP" altLang="en-US" sz="3199" dirty="0">
-                <a:ln w="0">
-                  <a:solidFill>
-                    <a:schemeClr val="tx1"/>
-                  </a:solidFill>
-                </a:ln>
-                <a:solidFill>
-                  <a:srgbClr val="FFFF00"/>
-                </a:solidFill>
-                <a:effectLst>
-                  <a:outerShdw blurRad="38100" dist="19050" dir="2700000" algn="tl" rotWithShape="0">
-                    <a:schemeClr val="dk1">
-                      <a:alpha val="40000"/>
-                    </a:schemeClr>
-                  </a:outerShdw>
-                </a:effectLst>
-                <a:latin typeface="Adobe Gothic Std B" panose="020B0800000000000000" pitchFamily="34" charset="-128"/>
-                <a:ea typeface="Adobe Gothic Std B" panose="020B0800000000000000" pitchFamily="34" charset="-128"/>
-              </a:rPr>
-              <a:t>回転</a:t>
-            </a:r>
-          </a:p>
-        </p:txBody>
-      </p:sp>
-      <p:sp>
-        <p:nvSpPr>
-          <p:cNvPr id="26" name="正方形/長方形 25"/>
-          <p:cNvSpPr/>
-          <p:nvPr/>
-        </p:nvSpPr>
-        <p:spPr>
-          <a:xfrm>
-            <a:off x="3226106" y="3771079"/>
-            <a:ext cx="2440539" cy="584647"/>
-          </a:xfrm>
-          <a:prstGeom prst="rect">
-            <a:avLst/>
-          </a:prstGeom>
-          <a:noFill/>
-        </p:spPr>
-        <p:txBody>
-          <a:bodyPr wrap="square" lIns="91440" tIns="45720" rIns="91440" bIns="45720">
-            <a:spAutoFit/>
-          </a:bodyPr>
-          <a:lstStyle/>
-          <a:p>
-            <a:pPr algn="ctr"/>
-            <a:r>
-              <a:rPr lang="ja-JP" altLang="en-US" sz="3199" dirty="0">
-                <a:ln w="0">
-                  <a:solidFill>
-                    <a:schemeClr val="tx1"/>
-                  </a:solidFill>
-                </a:ln>
-                <a:solidFill>
-                  <a:srgbClr val="FFFF00"/>
-                </a:solidFill>
-                <a:effectLst>
-                  <a:outerShdw blurRad="38100" dist="19050" dir="2700000" algn="tl" rotWithShape="0">
-                    <a:schemeClr val="dk1">
-                      <a:alpha val="40000"/>
-                    </a:schemeClr>
-                  </a:outerShdw>
-                </a:effectLst>
-                <a:latin typeface="Adobe Gothic Std B" panose="020B0800000000000000" pitchFamily="34" charset="-128"/>
-                <a:ea typeface="Adobe Gothic Std B" panose="020B0800000000000000" pitchFamily="34" charset="-128"/>
-              </a:rPr>
-              <a:t>旋回</a:t>
-            </a:r>
-          </a:p>
-        </p:txBody>
-      </p:sp>
-      <p:sp>
-        <p:nvSpPr>
-          <p:cNvPr id="27" name="正方形/長方形 26"/>
-          <p:cNvSpPr/>
-          <p:nvPr/>
-        </p:nvSpPr>
-        <p:spPr>
-          <a:xfrm>
-            <a:off x="6259590" y="2035104"/>
-            <a:ext cx="1043087" cy="1569276"/>
-          </a:xfrm>
-          <a:prstGeom prst="rect">
-            <a:avLst/>
-          </a:prstGeom>
-          <a:noFill/>
-        </p:spPr>
-        <p:txBody>
-          <a:bodyPr wrap="square" lIns="91440" tIns="45720" rIns="91440" bIns="45720">
-            <a:spAutoFit/>
-          </a:bodyPr>
-          <a:lstStyle/>
-          <a:p>
-            <a:pPr algn="ctr"/>
-            <a:r>
-              <a:rPr lang="ja-JP" altLang="en-US" sz="3199" dirty="0">
-                <a:ln w="0">
-                  <a:solidFill>
-                    <a:schemeClr val="tx1"/>
-                  </a:solidFill>
-                </a:ln>
-                <a:solidFill>
-                  <a:srgbClr val="FFFF00"/>
-                </a:solidFill>
-                <a:effectLst>
-                  <a:outerShdw blurRad="38100" dist="19050" dir="2700000" algn="tl" rotWithShape="0">
-                    <a:schemeClr val="dk1">
-                      <a:alpha val="40000"/>
-                    </a:schemeClr>
-                  </a:outerShdw>
-                </a:effectLst>
-                <a:latin typeface="Adobe Gothic Std B" panose="020B0800000000000000" pitchFamily="34" charset="-128"/>
-                <a:ea typeface="Adobe Gothic Std B" panose="020B0800000000000000" pitchFamily="34" charset="-128"/>
-              </a:rPr>
-              <a:t>前進</a:t>
-            </a:r>
-            <a:r>
-              <a:rPr lang="en-US" altLang="ja-JP" sz="3199" dirty="0">
-                <a:ln w="0">
-                  <a:solidFill>
-                    <a:schemeClr val="tx1"/>
-                  </a:solidFill>
-                </a:ln>
-                <a:solidFill>
-                  <a:srgbClr val="FFFF00"/>
-                </a:solidFill>
-                <a:effectLst>
-                  <a:outerShdw blurRad="38100" dist="19050" dir="2700000" algn="tl" rotWithShape="0">
-                    <a:schemeClr val="dk1">
-                      <a:alpha val="40000"/>
-                    </a:schemeClr>
-                  </a:outerShdw>
-                </a:effectLst>
-                <a:latin typeface="Adobe Gothic Std B" panose="020B0800000000000000" pitchFamily="34" charset="-128"/>
-                <a:ea typeface="Adobe Gothic Std B" panose="020B0800000000000000" pitchFamily="34" charset="-128"/>
-              </a:rPr>
-              <a:t/>
-            </a:r>
-            <a:br>
-              <a:rPr lang="en-US" altLang="ja-JP" sz="3199" dirty="0">
-                <a:ln w="0">
-                  <a:solidFill>
-                    <a:schemeClr val="tx1"/>
-                  </a:solidFill>
-                </a:ln>
-                <a:solidFill>
-                  <a:srgbClr val="FFFF00"/>
-                </a:solidFill>
-                <a:effectLst>
-                  <a:outerShdw blurRad="38100" dist="19050" dir="2700000" algn="tl" rotWithShape="0">
-                    <a:schemeClr val="dk1">
-                      <a:alpha val="40000"/>
-                    </a:schemeClr>
-                  </a:outerShdw>
-                </a:effectLst>
-                <a:latin typeface="Adobe Gothic Std B" panose="020B0800000000000000" pitchFamily="34" charset="-128"/>
-                <a:ea typeface="Adobe Gothic Std B" panose="020B0800000000000000" pitchFamily="34" charset="-128"/>
-              </a:rPr>
-            </a:br>
-            <a:r>
-              <a:rPr lang="ja-JP" altLang="en-US" sz="3199" dirty="0">
-                <a:ln w="0">
-                  <a:solidFill>
-                    <a:schemeClr val="tx1"/>
-                  </a:solidFill>
-                </a:ln>
-                <a:solidFill>
-                  <a:srgbClr val="FFFF00"/>
-                </a:solidFill>
-                <a:effectLst>
-                  <a:outerShdw blurRad="38100" dist="19050" dir="2700000" algn="tl" rotWithShape="0">
-                    <a:schemeClr val="dk1">
-                      <a:alpha val="40000"/>
-                    </a:schemeClr>
-                  </a:outerShdw>
-                </a:effectLst>
-                <a:latin typeface="Adobe Gothic Std B" panose="020B0800000000000000" pitchFamily="34" charset="-128"/>
-                <a:ea typeface="Adobe Gothic Std B" panose="020B0800000000000000" pitchFamily="34" charset="-128"/>
-              </a:rPr>
-              <a:t>後進</a:t>
-            </a:r>
-            <a:r>
-              <a:rPr lang="en-US" altLang="ja-JP" sz="3199" dirty="0">
-                <a:ln w="0">
-                  <a:solidFill>
-                    <a:schemeClr val="tx1"/>
-                  </a:solidFill>
-                </a:ln>
-                <a:solidFill>
-                  <a:srgbClr val="FFFF00"/>
-                </a:solidFill>
-                <a:effectLst>
-                  <a:outerShdw blurRad="38100" dist="19050" dir="2700000" algn="tl" rotWithShape="0">
-                    <a:schemeClr val="dk1">
-                      <a:alpha val="40000"/>
-                    </a:schemeClr>
-                  </a:outerShdw>
-                </a:effectLst>
-                <a:latin typeface="Adobe Gothic Std B" panose="020B0800000000000000" pitchFamily="34" charset="-128"/>
-                <a:ea typeface="Adobe Gothic Std B" panose="020B0800000000000000" pitchFamily="34" charset="-128"/>
-              </a:rPr>
-              <a:t/>
-            </a:r>
-            <a:br>
-              <a:rPr lang="en-US" altLang="ja-JP" sz="3199" dirty="0">
-                <a:ln w="0">
-                  <a:solidFill>
-                    <a:schemeClr val="tx1"/>
-                  </a:solidFill>
-                </a:ln>
-                <a:solidFill>
-                  <a:srgbClr val="FFFF00"/>
-                </a:solidFill>
-                <a:effectLst>
-                  <a:outerShdw blurRad="38100" dist="19050" dir="2700000" algn="tl" rotWithShape="0">
-                    <a:schemeClr val="dk1">
-                      <a:alpha val="40000"/>
-                    </a:schemeClr>
-                  </a:outerShdw>
-                </a:effectLst>
-                <a:latin typeface="Adobe Gothic Std B" panose="020B0800000000000000" pitchFamily="34" charset="-128"/>
-                <a:ea typeface="Adobe Gothic Std B" panose="020B0800000000000000" pitchFamily="34" charset="-128"/>
-              </a:rPr>
-            </a:br>
-            <a:r>
-              <a:rPr lang="ja-JP" altLang="en-US" sz="3199" dirty="0">
+              <a:rPr lang="ja-JP" altLang="en-US" sz="3199" dirty="0" smtClean="0">
                 <a:ln w="0">
                   <a:solidFill>
                     <a:schemeClr val="tx1"/>
@@ -4090,6 +4778,159 @@
               </a:rPr>
               <a:t>発射</a:t>
             </a:r>
+            <a:endParaRPr lang="ja-JP" altLang="en-US" sz="3199" dirty="0">
+              <a:ln w="0">
+                <a:solidFill>
+                  <a:schemeClr val="tx1"/>
+                </a:solidFill>
+              </a:ln>
+              <a:solidFill>
+                <a:srgbClr val="FFFF00"/>
+              </a:solidFill>
+              <a:effectLst>
+                <a:outerShdw blurRad="38100" dist="19050" dir="2700000" algn="tl" rotWithShape="0">
+                  <a:schemeClr val="dk1">
+                    <a:alpha val="40000"/>
+                  </a:schemeClr>
+                </a:outerShdw>
+              </a:effectLst>
+              <a:latin typeface="Adobe Gothic Std B" panose="020B0800000000000000" pitchFamily="34" charset="-128"/>
+              <a:ea typeface="Adobe Gothic Std B" panose="020B0800000000000000" pitchFamily="34" charset="-128"/>
+            </a:endParaRPr>
+          </a:p>
+        </p:txBody>
+      </p:sp>
+      <p:sp>
+        <p:nvSpPr>
+          <p:cNvPr id="26" name="正方形/長方形 25"/>
+          <p:cNvSpPr/>
+          <p:nvPr/>
+        </p:nvSpPr>
+        <p:spPr>
+          <a:xfrm>
+            <a:off x="3226106" y="3771079"/>
+            <a:ext cx="2440539" cy="584647"/>
+          </a:xfrm>
+          <a:prstGeom prst="rect">
+            <a:avLst/>
+          </a:prstGeom>
+          <a:noFill/>
+        </p:spPr>
+        <p:txBody>
+          <a:bodyPr wrap="square" lIns="91440" tIns="45720" rIns="91440" bIns="45720">
+            <a:spAutoFit/>
+          </a:bodyPr>
+          <a:lstStyle/>
+          <a:p>
+            <a:pPr algn="ctr"/>
+            <a:r>
+              <a:rPr lang="ja-JP" altLang="en-US" sz="3199" dirty="0" smtClean="0">
+                <a:ln w="0">
+                  <a:solidFill>
+                    <a:schemeClr val="tx1"/>
+                  </a:solidFill>
+                </a:ln>
+                <a:solidFill>
+                  <a:srgbClr val="FFFF00"/>
+                </a:solidFill>
+                <a:effectLst>
+                  <a:outerShdw blurRad="38100" dist="19050" dir="2700000" algn="tl" rotWithShape="0">
+                    <a:schemeClr val="dk1">
+                      <a:alpha val="40000"/>
+                    </a:schemeClr>
+                  </a:outerShdw>
+                </a:effectLst>
+                <a:latin typeface="Adobe Gothic Std B" panose="020B0800000000000000" pitchFamily="34" charset="-128"/>
+                <a:ea typeface="Adobe Gothic Std B" panose="020B0800000000000000" pitchFamily="34" charset="-128"/>
+              </a:rPr>
+              <a:t>移動旋回</a:t>
+            </a:r>
+            <a:endParaRPr lang="ja-JP" altLang="en-US" sz="3199" dirty="0">
+              <a:ln w="0">
+                <a:solidFill>
+                  <a:schemeClr val="tx1"/>
+                </a:solidFill>
+              </a:ln>
+              <a:solidFill>
+                <a:srgbClr val="FFFF00"/>
+              </a:solidFill>
+              <a:effectLst>
+                <a:outerShdw blurRad="38100" dist="19050" dir="2700000" algn="tl" rotWithShape="0">
+                  <a:schemeClr val="dk1">
+                    <a:alpha val="40000"/>
+                  </a:schemeClr>
+                </a:outerShdw>
+              </a:effectLst>
+              <a:latin typeface="Adobe Gothic Std B" panose="020B0800000000000000" pitchFamily="34" charset="-128"/>
+              <a:ea typeface="Adobe Gothic Std B" panose="020B0800000000000000" pitchFamily="34" charset="-128"/>
+            </a:endParaRPr>
+          </a:p>
+        </p:txBody>
+      </p:sp>
+      <p:sp>
+        <p:nvSpPr>
+          <p:cNvPr id="27" name="正方形/長方形 26"/>
+          <p:cNvSpPr/>
+          <p:nvPr/>
+        </p:nvSpPr>
+        <p:spPr>
+          <a:xfrm>
+            <a:off x="6181091" y="2244032"/>
+            <a:ext cx="1043087" cy="1076961"/>
+          </a:xfrm>
+          <a:prstGeom prst="rect">
+            <a:avLst/>
+          </a:prstGeom>
+          <a:noFill/>
+        </p:spPr>
+        <p:txBody>
+          <a:bodyPr wrap="square" lIns="91440" tIns="45720" rIns="91440" bIns="45720">
+            <a:spAutoFit/>
+          </a:bodyPr>
+          <a:lstStyle/>
+          <a:p>
+            <a:pPr algn="ctr"/>
+            <a:r>
+              <a:rPr lang="ja-JP" altLang="en-US" sz="3199" dirty="0" smtClean="0">
+                <a:ln w="0">
+                  <a:solidFill>
+                    <a:schemeClr val="tx1"/>
+                  </a:solidFill>
+                </a:ln>
+                <a:solidFill>
+                  <a:srgbClr val="FFFF00"/>
+                </a:solidFill>
+                <a:effectLst>
+                  <a:outerShdw blurRad="38100" dist="19050" dir="2700000" algn="tl" rotWithShape="0">
+                    <a:schemeClr val="dk1">
+                      <a:alpha val="40000"/>
+                    </a:schemeClr>
+                  </a:outerShdw>
+                </a:effectLst>
+                <a:latin typeface="Adobe Gothic Std B" panose="020B0800000000000000" pitchFamily="34" charset="-128"/>
+                <a:ea typeface="Adobe Gothic Std B" panose="020B0800000000000000" pitchFamily="34" charset="-128"/>
+              </a:rPr>
+              <a:t>砲塔回転</a:t>
+            </a:r>
+            <a:endParaRPr lang="ja-JP" altLang="en-US" sz="3199" dirty="0">
+              <a:ln w="0">
+                <a:solidFill>
+                  <a:schemeClr val="tx1"/>
+                </a:solidFill>
+              </a:ln>
+              <a:solidFill>
+                <a:srgbClr val="FFFF00"/>
+              </a:solidFill>
+              <a:effectLst>
+                <a:outerShdw blurRad="38100" dist="19050" dir="2700000" algn="tl" rotWithShape="0">
+                  <a:schemeClr val="dk1">
+                    <a:alpha val="40000"/>
+                  </a:schemeClr>
+                </a:outerShdw>
+              </a:effectLst>
+              <a:latin typeface="Adobe Gothic Std B" panose="020B0800000000000000" pitchFamily="34" charset="-128"/>
+              <a:ea typeface="Adobe Gothic Std B" panose="020B0800000000000000" pitchFamily="34" charset="-128"/>
+            </a:endParaRPr>
           </a:p>
         </p:txBody>
       </p:sp>
@@ -4269,13 +5110,13 @@
       </p:sp>
       <p:sp>
         <p:nvSpPr>
-          <p:cNvPr id="31" name="下矢印 30"/>
+          <p:cNvPr id="32" name="下矢印 31"/>
           <p:cNvSpPr/>
           <p:nvPr/>
         </p:nvSpPr>
         <p:spPr>
-          <a:xfrm rot="4099566">
-            <a:off x="3318235" y="1142498"/>
+          <a:xfrm rot="7324015">
+            <a:off x="3966870" y="3399879"/>
             <a:ext cx="260078" cy="466329"/>
           </a:xfrm>
           <a:prstGeom prst="downArrow">
@@ -4325,14 +5166,14 @@
       </p:sp>
       <p:sp>
         <p:nvSpPr>
-          <p:cNvPr id="32" name="下矢印 31"/>
+          <p:cNvPr id="33" name="下矢印 32"/>
           <p:cNvSpPr/>
           <p:nvPr/>
         </p:nvSpPr>
         <p:spPr>
-          <a:xfrm rot="7324015">
-            <a:off x="3966870" y="3399879"/>
-            <a:ext cx="260078" cy="466329"/>
+          <a:xfrm rot="4602943">
+            <a:off x="5600877" y="2396017"/>
+            <a:ext cx="260078" cy="1083119"/>
           </a:xfrm>
           <a:prstGeom prst="downArrow">
             <a:avLst/>
@@ -4381,34 +5222,24 @@
       </p:sp>
       <p:sp>
         <p:nvSpPr>
-          <p:cNvPr id="33" name="下矢印 32"/>
+          <p:cNvPr id="23" name="楕円 22"/>
           <p:cNvSpPr/>
           <p:nvPr/>
         </p:nvSpPr>
         <p:spPr>
-          <a:xfrm rot="5400000">
-            <a:off x="5883976" y="2615844"/>
-            <a:ext cx="260078" cy="466329"/>
-          </a:xfrm>
-          <a:prstGeom prst="downArrow">
+          <a:xfrm>
+            <a:off x="4270035" y="2782513"/>
+            <a:ext cx="863600" cy="863600"/>
+          </a:xfrm>
+          <a:prstGeom prst="ellipse">
             <a:avLst/>
           </a:prstGeom>
-          <a:solidFill>
-            <a:srgbClr val="FFFF00"/>
-          </a:solidFill>
-          <a:ln>
+          <a:noFill/>
+          <a:ln w="38100">
             <a:solidFill>
-              <a:srgbClr val="002060"/>
+              <a:srgbClr val="FF0000"/>
             </a:solidFill>
           </a:ln>
-          <a:effectLst>
-            <a:glow rad="139700">
-              <a:schemeClr val="accent4">
-                <a:satMod val="175000"/>
-                <a:alpha val="40000"/>
-              </a:schemeClr>
-            </a:glow>
-          </a:effectLst>
         </p:spPr>
         <p:style>
           <a:lnRef idx="2">
@@ -4427,18 +5258,23 @@
           </a:fontRef>
         </p:style>
         <p:txBody>
-          <a:bodyPr rtlCol="0" anchor="ctr"/>
+          <a:bodyPr rot="0" spcFirstLastPara="0" vertOverflow="overflow" horzOverflow="overflow" vert="horz" wrap="square" lIns="91440" tIns="45720" rIns="91440" bIns="45720" numCol="1" spcCol="0" rtlCol="0" fromWordArt="0" anchor="ctr" anchorCtr="0" forceAA="0" compatLnSpc="1">
+            <a:prstTxWarp prst="textNoShape">
+              <a:avLst/>
+            </a:prstTxWarp>
+            <a:noAutofit/>
+          </a:bodyPr>
           <a:lstStyle/>
           <a:p>
             <a:pPr algn="ctr"/>
-            <a:endParaRPr kumimoji="1" lang="ja-JP" altLang="en-US"/>
+            <a:endParaRPr lang="ja-JP" altLang="en-US"/>
           </a:p>
         </p:txBody>
       </p:sp>
     </p:spTree>
     <p:extLst>
       <p:ext uri="{BB962C8B-B14F-4D97-AF65-F5344CB8AC3E}">
-        <p14:creationId xmlns:p14="http://schemas.microsoft.com/office/powerpoint/2010/main" val="1237778400"/>
+        <p14:creationId xmlns:p14="http://schemas.microsoft.com/office/powerpoint/2010/main" val="2312213121"/>
       </p:ext>
     </p:extLst>
   </p:cSld>

--- a/source/data/TEXTURE/ナイスショットコントローラーver2.0.pptx
+++ b/source/data/TEXTURE/ナイスショットコントローラーver2.0.pptx
@@ -7,6 +7,7 @@
   <p:sldIdLst>
     <p:sldId id="256" r:id="rId2"/>
     <p:sldId id="257" r:id="rId3"/>
+    <p:sldId id="258" r:id="rId4"/>
   </p:sldIdLst>
   <p:sldSz cx="8280400" cy="5400675"/>
   <p:notesSz cx="6858000" cy="9144000"/>
@@ -244,7 +245,7 @@
           <a:p>
             <a:fld id="{927B8F58-1841-4ED3-A22B-4B323E1792F9}" type="datetimeFigureOut">
               <a:rPr kumimoji="1" lang="ja-JP" altLang="en-US" smtClean="0"/>
-              <a:t>2021/1/15</a:t>
+              <a:t>2021/12/1</a:t>
             </a:fld>
             <a:endParaRPr kumimoji="1" lang="ja-JP" altLang="en-US"/>
           </a:p>
@@ -446,7 +447,7 @@
           <a:p>
             <a:fld id="{927B8F58-1841-4ED3-A22B-4B323E1792F9}" type="datetimeFigureOut">
               <a:rPr kumimoji="1" lang="ja-JP" altLang="en-US" smtClean="0"/>
-              <a:t>2021/1/15</a:t>
+              <a:t>2021/12/1</a:t>
             </a:fld>
             <a:endParaRPr kumimoji="1" lang="ja-JP" altLang="en-US"/>
           </a:p>
@@ -658,7 +659,7 @@
           <a:p>
             <a:fld id="{927B8F58-1841-4ED3-A22B-4B323E1792F9}" type="datetimeFigureOut">
               <a:rPr kumimoji="1" lang="ja-JP" altLang="en-US" smtClean="0"/>
-              <a:t>2021/1/15</a:t>
+              <a:t>2021/12/1</a:t>
             </a:fld>
             <a:endParaRPr kumimoji="1" lang="ja-JP" altLang="en-US"/>
           </a:p>
@@ -860,7 +861,7 @@
           <a:p>
             <a:fld id="{927B8F58-1841-4ED3-A22B-4B323E1792F9}" type="datetimeFigureOut">
               <a:rPr kumimoji="1" lang="ja-JP" altLang="en-US" smtClean="0"/>
-              <a:t>2021/1/15</a:t>
+              <a:t>2021/12/1</a:t>
             </a:fld>
             <a:endParaRPr kumimoji="1" lang="ja-JP" altLang="en-US"/>
           </a:p>
@@ -1104,7 +1105,7 @@
           <a:p>
             <a:fld id="{927B8F58-1841-4ED3-A22B-4B323E1792F9}" type="datetimeFigureOut">
               <a:rPr kumimoji="1" lang="ja-JP" altLang="en-US" smtClean="0"/>
-              <a:t>2021/1/15</a:t>
+              <a:t>2021/12/1</a:t>
             </a:fld>
             <a:endParaRPr kumimoji="1" lang="ja-JP" altLang="en-US"/>
           </a:p>
@@ -1400,7 +1401,7 @@
           <a:p>
             <a:fld id="{927B8F58-1841-4ED3-A22B-4B323E1792F9}" type="datetimeFigureOut">
               <a:rPr kumimoji="1" lang="ja-JP" altLang="en-US" smtClean="0"/>
-              <a:t>2021/1/15</a:t>
+              <a:t>2021/12/1</a:t>
             </a:fld>
             <a:endParaRPr kumimoji="1" lang="ja-JP" altLang="en-US"/>
           </a:p>
@@ -1831,7 +1832,7 @@
           <a:p>
             <a:fld id="{927B8F58-1841-4ED3-A22B-4B323E1792F9}" type="datetimeFigureOut">
               <a:rPr kumimoji="1" lang="ja-JP" altLang="en-US" smtClean="0"/>
-              <a:t>2021/1/15</a:t>
+              <a:t>2021/12/1</a:t>
             </a:fld>
             <a:endParaRPr kumimoji="1" lang="ja-JP" altLang="en-US"/>
           </a:p>
@@ -1949,7 +1950,7 @@
           <a:p>
             <a:fld id="{927B8F58-1841-4ED3-A22B-4B323E1792F9}" type="datetimeFigureOut">
               <a:rPr kumimoji="1" lang="ja-JP" altLang="en-US" smtClean="0"/>
-              <a:t>2021/1/15</a:t>
+              <a:t>2021/12/1</a:t>
             </a:fld>
             <a:endParaRPr kumimoji="1" lang="ja-JP" altLang="en-US"/>
           </a:p>
@@ -2044,7 +2045,7 @@
           <a:p>
             <a:fld id="{927B8F58-1841-4ED3-A22B-4B323E1792F9}" type="datetimeFigureOut">
               <a:rPr kumimoji="1" lang="ja-JP" altLang="en-US" smtClean="0"/>
-              <a:t>2021/1/15</a:t>
+              <a:t>2021/12/1</a:t>
             </a:fld>
             <a:endParaRPr kumimoji="1" lang="ja-JP" altLang="en-US"/>
           </a:p>
@@ -2353,7 +2354,7 @@
           <a:p>
             <a:fld id="{927B8F58-1841-4ED3-A22B-4B323E1792F9}" type="datetimeFigureOut">
               <a:rPr kumimoji="1" lang="ja-JP" altLang="en-US" smtClean="0"/>
-              <a:t>2021/1/15</a:t>
+              <a:t>2021/12/1</a:t>
             </a:fld>
             <a:endParaRPr kumimoji="1" lang="ja-JP" altLang="en-US"/>
           </a:p>
@@ -2610,7 +2611,7 @@
           <a:p>
             <a:fld id="{927B8F58-1841-4ED3-A22B-4B323E1792F9}" type="datetimeFigureOut">
               <a:rPr kumimoji="1" lang="ja-JP" altLang="en-US" smtClean="0"/>
-              <a:t>2021/1/15</a:t>
+              <a:t>2021/12/1</a:t>
             </a:fld>
             <a:endParaRPr kumimoji="1" lang="ja-JP" altLang="en-US"/>
           </a:p>
@@ -2855,7 +2856,7 @@
           <a:p>
             <a:fld id="{927B8F58-1841-4ED3-A22B-4B323E1792F9}" type="datetimeFigureOut">
               <a:rPr kumimoji="1" lang="ja-JP" altLang="en-US" smtClean="0"/>
-              <a:t>2021/1/15</a:t>
+              <a:t>2021/12/1</a:t>
             </a:fld>
             <a:endParaRPr kumimoji="1" lang="ja-JP" altLang="en-US"/>
           </a:p>
@@ -4451,11 +4452,11 @@
   <p:clrMapOvr>
     <a:masterClrMapping/>
   </p:clrMapOvr>
-  <mc:AlternateContent xmlns:mc="http://schemas.openxmlformats.org/markup-compatibility/2006">
-    <mc:Choice xmlns:p14="http://schemas.microsoft.com/office/powerpoint/2010/main" Requires="p14">
+  <mc:AlternateContent xmlns:mc="http://schemas.openxmlformats.org/markup-compatibility/2006" xmlns:p14="http://schemas.microsoft.com/office/powerpoint/2010/main">
+    <mc:Choice Requires="p14">
       <p:transition spd="slow" p14:dur="2000"/>
     </mc:Choice>
-    <mc:Fallback>
+    <mc:Fallback xmlns="">
       <p:transition spd="slow"/>
     </mc:Fallback>
   </mc:AlternateContent>
@@ -5288,6 +5289,66 @@
       </p:par>
     </p:tnLst>
   </p:timing>
+</p:sld>
+</file>
+
+<file path=ppt/slides/slide3.xml><?xml version="1.0" encoding="utf-8"?>
+<p:sld xmlns:a="http://schemas.openxmlformats.org/drawingml/2006/main" xmlns:r="http://schemas.openxmlformats.org/officeDocument/2006/relationships" xmlns:p="http://schemas.openxmlformats.org/presentationml/2006/main">
+  <p:cSld>
+    <p:spTree>
+      <p:nvGrpSpPr>
+        <p:cNvPr id="1" name=""/>
+        <p:cNvGrpSpPr/>
+        <p:nvPr/>
+      </p:nvGrpSpPr>
+      <p:grpSpPr>
+        <a:xfrm>
+          <a:off x="0" y="0"/>
+          <a:ext cx="0" cy="0"/>
+          <a:chOff x="0" y="0"/>
+          <a:chExt cx="0" cy="0"/>
+        </a:xfrm>
+      </p:grpSpPr>
+      <p:pic>
+        <p:nvPicPr>
+          <p:cNvPr id="4" name="図 3"/>
+          <p:cNvPicPr>
+            <a:picLocks noChangeAspect="1"/>
+          </p:cNvPicPr>
+          <p:nvPr/>
+        </p:nvPicPr>
+        <p:blipFill>
+          <a:blip r:embed="rId2">
+            <a:extLst>
+              <a:ext uri="{28A0092B-C50C-407E-A947-70E740481C1C}">
+                <a14:useLocalDpi xmlns:a14="http://schemas.microsoft.com/office/drawing/2010/main" val="0"/>
+              </a:ext>
+            </a:extLst>
+          </a:blip>
+          <a:stretch>
+            <a:fillRect/>
+          </a:stretch>
+        </p:blipFill>
+        <p:spPr>
+          <a:xfrm>
+            <a:off x="1938847" y="566305"/>
+            <a:ext cx="4402706" cy="4268066"/>
+          </a:xfrm>
+          <a:prstGeom prst="rect">
+            <a:avLst/>
+          </a:prstGeom>
+        </p:spPr>
+      </p:pic>
+    </p:spTree>
+    <p:extLst>
+      <p:ext uri="{BB962C8B-B14F-4D97-AF65-F5344CB8AC3E}">
+        <p14:creationId xmlns:p14="http://schemas.microsoft.com/office/powerpoint/2010/main" val="2290459974"/>
+      </p:ext>
+    </p:extLst>
+  </p:cSld>
+  <p:clrMapOvr>
+    <a:masterClrMapping/>
+  </p:clrMapOvr>
 </p:sld>
 </file>
 
